--- a/Archive/ABM_manuscriptfigures_v2.pptx
+++ b/Archive/ABM_manuscriptfigures_v2.pptx
@@ -225,7 +225,7 @@
           <a:p>
             <a:fld id="{9FE60EB1-139C-4634-AB21-9656538B7261}" type="datetimeFigureOut">
               <a:rPr lang="en-US" smtClean="0"/>
-              <a:t>7/7/2023</a:t>
+              <a:t>7/13/2023</a:t>
             </a:fld>
             <a:endParaRPr lang="en-US"/>
           </a:p>
@@ -794,7 +794,7 @@
           <a:p>
             <a:fld id="{16637FAD-895B-2345-A7CB-C461243D28CE}" type="datetimeFigureOut">
               <a:rPr lang="en-US" smtClean="0"/>
-              <a:t>7/5/2023</a:t>
+              <a:t>7/13/2023</a:t>
             </a:fld>
             <a:endParaRPr lang="en-US"/>
           </a:p>
@@ -964,7 +964,7 @@
           <a:p>
             <a:fld id="{16637FAD-895B-2345-A7CB-C461243D28CE}" type="datetimeFigureOut">
               <a:rPr lang="en-US" smtClean="0"/>
-              <a:t>7/5/2023</a:t>
+              <a:t>7/13/2023</a:t>
             </a:fld>
             <a:endParaRPr lang="en-US"/>
           </a:p>
@@ -1144,7 +1144,7 @@
           <a:p>
             <a:fld id="{16637FAD-895B-2345-A7CB-C461243D28CE}" type="datetimeFigureOut">
               <a:rPr lang="en-US" smtClean="0"/>
-              <a:t>7/5/2023</a:t>
+              <a:t>7/13/2023</a:t>
             </a:fld>
             <a:endParaRPr lang="en-US"/>
           </a:p>
@@ -1314,7 +1314,7 @@
           <a:p>
             <a:fld id="{16637FAD-895B-2345-A7CB-C461243D28CE}" type="datetimeFigureOut">
               <a:rPr lang="en-US" smtClean="0"/>
-              <a:t>7/5/2023</a:t>
+              <a:t>7/13/2023</a:t>
             </a:fld>
             <a:endParaRPr lang="en-US"/>
           </a:p>
@@ -1558,7 +1558,7 @@
           <a:p>
             <a:fld id="{16637FAD-895B-2345-A7CB-C461243D28CE}" type="datetimeFigureOut">
               <a:rPr lang="en-US" smtClean="0"/>
-              <a:t>7/5/2023</a:t>
+              <a:t>7/13/2023</a:t>
             </a:fld>
             <a:endParaRPr lang="en-US"/>
           </a:p>
@@ -1790,7 +1790,7 @@
           <a:p>
             <a:fld id="{16637FAD-895B-2345-A7CB-C461243D28CE}" type="datetimeFigureOut">
               <a:rPr lang="en-US" smtClean="0"/>
-              <a:t>7/5/2023</a:t>
+              <a:t>7/13/2023</a:t>
             </a:fld>
             <a:endParaRPr lang="en-US"/>
           </a:p>
@@ -2157,7 +2157,7 @@
           <a:p>
             <a:fld id="{16637FAD-895B-2345-A7CB-C461243D28CE}" type="datetimeFigureOut">
               <a:rPr lang="en-US" smtClean="0"/>
-              <a:t>7/5/2023</a:t>
+              <a:t>7/13/2023</a:t>
             </a:fld>
             <a:endParaRPr lang="en-US"/>
           </a:p>
@@ -2275,7 +2275,7 @@
           <a:p>
             <a:fld id="{16637FAD-895B-2345-A7CB-C461243D28CE}" type="datetimeFigureOut">
               <a:rPr lang="en-US" smtClean="0"/>
-              <a:t>7/5/2023</a:t>
+              <a:t>7/13/2023</a:t>
             </a:fld>
             <a:endParaRPr lang="en-US"/>
           </a:p>
@@ -2370,7 +2370,7 @@
           <a:p>
             <a:fld id="{16637FAD-895B-2345-A7CB-C461243D28CE}" type="datetimeFigureOut">
               <a:rPr lang="en-US" smtClean="0"/>
-              <a:t>7/5/2023</a:t>
+              <a:t>7/13/2023</a:t>
             </a:fld>
             <a:endParaRPr lang="en-US"/>
           </a:p>
@@ -2647,7 +2647,7 @@
           <a:p>
             <a:fld id="{16637FAD-895B-2345-A7CB-C461243D28CE}" type="datetimeFigureOut">
               <a:rPr lang="en-US" smtClean="0"/>
-              <a:t>7/5/2023</a:t>
+              <a:t>7/13/2023</a:t>
             </a:fld>
             <a:endParaRPr lang="en-US"/>
           </a:p>
@@ -2904,7 +2904,7 @@
           <a:p>
             <a:fld id="{16637FAD-895B-2345-A7CB-C461243D28CE}" type="datetimeFigureOut">
               <a:rPr lang="en-US" smtClean="0"/>
-              <a:t>7/5/2023</a:t>
+              <a:t>7/13/2023</a:t>
             </a:fld>
             <a:endParaRPr lang="en-US"/>
           </a:p>
@@ -3117,7 +3117,7 @@
           <a:p>
             <a:fld id="{16637FAD-895B-2345-A7CB-C461243D28CE}" type="datetimeFigureOut">
               <a:rPr lang="en-US" smtClean="0"/>
-              <a:t>7/5/2023</a:t>
+              <a:t>7/13/2023</a:t>
             </a:fld>
             <a:endParaRPr lang="en-US"/>
           </a:p>
@@ -7677,6 +7677,36 @@
           <a:chExt cx="0" cy="0"/>
         </a:xfrm>
       </p:grpSpPr>
+      <p:pic>
+        <p:nvPicPr>
+          <p:cNvPr id="3" name="Picture 2" descr="A graph of different numbers&#10;&#10;Description automatically generated">
+            <a:extLst>
+              <a:ext uri="{FF2B5EF4-FFF2-40B4-BE49-F238E27FC236}">
+                <a16:creationId xmlns:a16="http://schemas.microsoft.com/office/drawing/2014/main" id="{1CE7E16B-E2B7-C2E0-038E-EB3A6D5AFC11}"/>
+              </a:ext>
+            </a:extLst>
+          </p:cNvPr>
+          <p:cNvPicPr>
+            <a:picLocks noChangeAspect="1"/>
+          </p:cNvPicPr>
+          <p:nvPr/>
+        </p:nvPicPr>
+        <p:blipFill>
+          <a:blip r:embed="rId2"/>
+          <a:stretch>
+            <a:fillRect/>
+          </a:stretch>
+        </p:blipFill>
+        <p:spPr>
+          <a:xfrm>
+            <a:off x="0" y="678656"/>
+            <a:ext cx="7772400" cy="4129088"/>
+          </a:xfrm>
+          <a:prstGeom prst="rect">
+            <a:avLst/>
+          </a:prstGeom>
+        </p:spPr>
+      </p:pic>
     </p:spTree>
     <p:extLst>
       <p:ext uri="{BB962C8B-B14F-4D97-AF65-F5344CB8AC3E}">
@@ -7707,6 +7737,216 @@
           <a:chExt cx="0" cy="0"/>
         </a:xfrm>
       </p:grpSpPr>
+      <p:pic>
+        <p:nvPicPr>
+          <p:cNvPr id="3" name="Picture 2">
+            <a:extLst>
+              <a:ext uri="{FF2B5EF4-FFF2-40B4-BE49-F238E27FC236}">
+                <a16:creationId xmlns:a16="http://schemas.microsoft.com/office/drawing/2014/main" id="{FA649AD7-0085-3D5E-C54F-02432BD4E9AB}"/>
+              </a:ext>
+            </a:extLst>
+          </p:cNvPr>
+          <p:cNvPicPr>
+            <a:picLocks noChangeAspect="1"/>
+          </p:cNvPicPr>
+          <p:nvPr/>
+        </p:nvPicPr>
+        <p:blipFill>
+          <a:blip r:embed="rId2"/>
+          <a:stretch>
+            <a:fillRect/>
+          </a:stretch>
+        </p:blipFill>
+        <p:spPr>
+          <a:xfrm>
+            <a:off x="320914" y="71536"/>
+            <a:ext cx="2340399" cy="1965489"/>
+          </a:xfrm>
+          <a:prstGeom prst="rect">
+            <a:avLst/>
+          </a:prstGeom>
+        </p:spPr>
+      </p:pic>
+      <p:pic>
+        <p:nvPicPr>
+          <p:cNvPr id="5" name="Picture 4">
+            <a:extLst>
+              <a:ext uri="{FF2B5EF4-FFF2-40B4-BE49-F238E27FC236}">
+                <a16:creationId xmlns:a16="http://schemas.microsoft.com/office/drawing/2014/main" id="{D1204E63-4CEB-A44B-070C-4D8ABEBC6C0B}"/>
+              </a:ext>
+            </a:extLst>
+          </p:cNvPr>
+          <p:cNvPicPr>
+            <a:picLocks noChangeAspect="1"/>
+          </p:cNvPicPr>
+          <p:nvPr/>
+        </p:nvPicPr>
+        <p:blipFill>
+          <a:blip r:embed="rId3"/>
+          <a:stretch>
+            <a:fillRect/>
+          </a:stretch>
+        </p:blipFill>
+        <p:spPr>
+          <a:xfrm>
+            <a:off x="2661313" y="0"/>
+            <a:ext cx="2231695" cy="2236087"/>
+          </a:xfrm>
+          <a:prstGeom prst="rect">
+            <a:avLst/>
+          </a:prstGeom>
+        </p:spPr>
+      </p:pic>
+      <p:pic>
+        <p:nvPicPr>
+          <p:cNvPr id="11" name="Picture 10">
+            <a:extLst>
+              <a:ext uri="{FF2B5EF4-FFF2-40B4-BE49-F238E27FC236}">
+                <a16:creationId xmlns:a16="http://schemas.microsoft.com/office/drawing/2014/main" id="{35BA7C97-0AA7-D3ED-F2BA-8BA1FD0A0D35}"/>
+              </a:ext>
+            </a:extLst>
+          </p:cNvPr>
+          <p:cNvPicPr>
+            <a:picLocks noChangeAspect="1"/>
+          </p:cNvPicPr>
+          <p:nvPr/>
+        </p:nvPicPr>
+        <p:blipFill>
+          <a:blip r:embed="rId4"/>
+          <a:stretch>
+            <a:fillRect/>
+          </a:stretch>
+        </p:blipFill>
+        <p:spPr>
+          <a:xfrm>
+            <a:off x="375265" y="2173773"/>
+            <a:ext cx="2231695" cy="2236088"/>
+          </a:xfrm>
+          <a:prstGeom prst="rect">
+            <a:avLst/>
+          </a:prstGeom>
+        </p:spPr>
+      </p:pic>
+      <p:pic>
+        <p:nvPicPr>
+          <p:cNvPr id="13" name="Picture 12">
+            <a:extLst>
+              <a:ext uri="{FF2B5EF4-FFF2-40B4-BE49-F238E27FC236}">
+                <a16:creationId xmlns:a16="http://schemas.microsoft.com/office/drawing/2014/main" id="{A41B1D05-EC62-0DFA-A38D-4B715AE35DE9}"/>
+              </a:ext>
+            </a:extLst>
+          </p:cNvPr>
+          <p:cNvPicPr>
+            <a:picLocks noChangeAspect="1"/>
+          </p:cNvPicPr>
+          <p:nvPr/>
+        </p:nvPicPr>
+        <p:blipFill>
+          <a:blip r:embed="rId5"/>
+          <a:stretch>
+            <a:fillRect/>
+          </a:stretch>
+        </p:blipFill>
+        <p:spPr>
+          <a:xfrm>
+            <a:off x="4592469" y="0"/>
+            <a:ext cx="2231695" cy="2236088"/>
+          </a:xfrm>
+          <a:prstGeom prst="rect">
+            <a:avLst/>
+          </a:prstGeom>
+        </p:spPr>
+      </p:pic>
+      <p:pic>
+        <p:nvPicPr>
+          <p:cNvPr id="15" name="Picture 14">
+            <a:extLst>
+              <a:ext uri="{FF2B5EF4-FFF2-40B4-BE49-F238E27FC236}">
+                <a16:creationId xmlns:a16="http://schemas.microsoft.com/office/drawing/2014/main" id="{64DD6247-A27A-3E0D-A1F2-C8E5092B02AD}"/>
+              </a:ext>
+            </a:extLst>
+          </p:cNvPr>
+          <p:cNvPicPr>
+            <a:picLocks noChangeAspect="1"/>
+          </p:cNvPicPr>
+          <p:nvPr/>
+        </p:nvPicPr>
+        <p:blipFill>
+          <a:blip r:embed="rId6"/>
+          <a:stretch>
+            <a:fillRect/>
+          </a:stretch>
+        </p:blipFill>
+        <p:spPr>
+          <a:xfrm>
+            <a:off x="2661313" y="2132268"/>
+            <a:ext cx="2231696" cy="2236089"/>
+          </a:xfrm>
+          <a:prstGeom prst="rect">
+            <a:avLst/>
+          </a:prstGeom>
+        </p:spPr>
+      </p:pic>
+      <p:pic>
+        <p:nvPicPr>
+          <p:cNvPr id="17" name="Picture 16">
+            <a:extLst>
+              <a:ext uri="{FF2B5EF4-FFF2-40B4-BE49-F238E27FC236}">
+                <a16:creationId xmlns:a16="http://schemas.microsoft.com/office/drawing/2014/main" id="{AF578DC5-1FB6-90B2-0DC3-6AFB8B51AF16}"/>
+              </a:ext>
+            </a:extLst>
+          </p:cNvPr>
+          <p:cNvPicPr>
+            <a:picLocks noChangeAspect="1"/>
+          </p:cNvPicPr>
+          <p:nvPr/>
+        </p:nvPicPr>
+        <p:blipFill>
+          <a:blip r:embed="rId7"/>
+          <a:stretch>
+            <a:fillRect/>
+          </a:stretch>
+        </p:blipFill>
+        <p:spPr>
+          <a:xfrm>
+            <a:off x="4742738" y="2184177"/>
+            <a:ext cx="2231696" cy="2236089"/>
+          </a:xfrm>
+          <a:prstGeom prst="rect">
+            <a:avLst/>
+          </a:prstGeom>
+        </p:spPr>
+      </p:pic>
+      <p:pic>
+        <p:nvPicPr>
+          <p:cNvPr id="19" name="Picture 18">
+            <a:extLst>
+              <a:ext uri="{FF2B5EF4-FFF2-40B4-BE49-F238E27FC236}">
+                <a16:creationId xmlns:a16="http://schemas.microsoft.com/office/drawing/2014/main" id="{28F77BE2-943A-1C05-B6E3-7C94310A5714}"/>
+              </a:ext>
+            </a:extLst>
+          </p:cNvPr>
+          <p:cNvPicPr>
+            <a:picLocks noChangeAspect="1"/>
+          </p:cNvPicPr>
+          <p:nvPr/>
+        </p:nvPicPr>
+        <p:blipFill>
+          <a:blip r:embed="rId8"/>
+          <a:stretch>
+            <a:fillRect/>
+          </a:stretch>
+        </p:blipFill>
+        <p:spPr>
+          <a:xfrm>
+            <a:off x="6824163" y="1014223"/>
+            <a:ext cx="2231696" cy="2236089"/>
+          </a:xfrm>
+          <a:prstGeom prst="rect">
+            <a:avLst/>
+          </a:prstGeom>
+        </p:spPr>
+      </p:pic>
     </p:spTree>
     <p:extLst>
       <p:ext uri="{BB962C8B-B14F-4D97-AF65-F5344CB8AC3E}">
@@ -7737,6 +7977,101 @@
           <a:chExt cx="0" cy="0"/>
         </a:xfrm>
       </p:grpSpPr>
+      <p:pic>
+        <p:nvPicPr>
+          <p:cNvPr id="3" name="Picture 2">
+            <a:extLst>
+              <a:ext uri="{FF2B5EF4-FFF2-40B4-BE49-F238E27FC236}">
+                <a16:creationId xmlns:a16="http://schemas.microsoft.com/office/drawing/2014/main" id="{AAC2AC0E-B6FF-6F8B-8704-19D084E69C25}"/>
+              </a:ext>
+            </a:extLst>
+          </p:cNvPr>
+          <p:cNvPicPr>
+            <a:picLocks noChangeAspect="1"/>
+          </p:cNvPicPr>
+          <p:nvPr/>
+        </p:nvPicPr>
+        <p:blipFill>
+          <a:blip r:embed="rId2"/>
+          <a:stretch>
+            <a:fillRect/>
+          </a:stretch>
+        </p:blipFill>
+        <p:spPr>
+          <a:xfrm>
+            <a:off x="156664" y="598867"/>
+            <a:ext cx="3139270" cy="3145450"/>
+          </a:xfrm>
+          <a:prstGeom prst="rect">
+            <a:avLst/>
+          </a:prstGeom>
+        </p:spPr>
+      </p:pic>
+      <p:pic>
+        <p:nvPicPr>
+          <p:cNvPr id="7" name="Picture 6">
+            <a:extLst>
+              <a:ext uri="{FF2B5EF4-FFF2-40B4-BE49-F238E27FC236}">
+                <a16:creationId xmlns:a16="http://schemas.microsoft.com/office/drawing/2014/main" id="{46A36725-193E-26C5-3BC8-9C1F56F9FCD1}"/>
+              </a:ext>
+            </a:extLst>
+          </p:cNvPr>
+          <p:cNvPicPr>
+            <a:picLocks noChangeAspect="1"/>
+          </p:cNvPicPr>
+          <p:nvPr/>
+        </p:nvPicPr>
+        <p:blipFill>
+          <a:blip r:embed="rId3"/>
+          <a:stretch>
+            <a:fillRect/>
+          </a:stretch>
+        </p:blipFill>
+        <p:spPr>
+          <a:xfrm>
+            <a:off x="3145205" y="948518"/>
+            <a:ext cx="4572807" cy="2429304"/>
+          </a:xfrm>
+          <a:prstGeom prst="rect">
+            <a:avLst/>
+          </a:prstGeom>
+        </p:spPr>
+      </p:pic>
+      <p:sp>
+        <p:nvSpPr>
+          <p:cNvPr id="8" name="TextBox 7">
+            <a:extLst>
+              <a:ext uri="{FF2B5EF4-FFF2-40B4-BE49-F238E27FC236}">
+                <a16:creationId xmlns:a16="http://schemas.microsoft.com/office/drawing/2014/main" id="{05ED7B8D-0211-2D12-B49D-A49B6FB37652}"/>
+              </a:ext>
+            </a:extLst>
+          </p:cNvPr>
+          <p:cNvSpPr txBox="1"/>
+          <p:nvPr/>
+        </p:nvSpPr>
+        <p:spPr>
+          <a:xfrm>
+            <a:off x="4830666" y="948518"/>
+            <a:ext cx="1352614" cy="276999"/>
+          </a:xfrm>
+          <a:prstGeom prst="rect">
+            <a:avLst/>
+          </a:prstGeom>
+          <a:noFill/>
+        </p:spPr>
+        <p:txBody>
+          <a:bodyPr wrap="square" rtlCol="0">
+            <a:spAutoFit/>
+          </a:bodyPr>
+          <a:lstStyle/>
+          <a:p>
+            <a:r>
+              <a:rPr lang="en-US" sz="1200" dirty="0"/>
+              <a:t>(plot to y = 165)</a:t>
+            </a:r>
+          </a:p>
+        </p:txBody>
+      </p:sp>
     </p:spTree>
     <p:extLst>
       <p:ext uri="{BB962C8B-B14F-4D97-AF65-F5344CB8AC3E}">
